--- a/Présentation1.pptx
+++ b/Présentation1.pptx
@@ -6,6 +6,7 @@
   </p:sldMasterIdLst>
   <p:sldIdLst>
     <p:sldId id="256" r:id="rId2"/>
+    <p:sldId id="257" r:id="rId3"/>
   </p:sldIdLst>
   <p:sldSz cx="12192000" cy="6858000"/>
   <p:notesSz cx="6858000" cy="9144000"/>
@@ -104,6 +105,11 @@
       </a:defRPr>
     </a:lvl9pPr>
   </p:defaultTextStyle>
+  <p:extLst>
+    <p:ext uri="{EFAFB233-063F-42B5-8137-9DF3F51BA10A}">
+      <p15:sldGuideLst xmlns:p15="http://schemas.microsoft.com/office/powerpoint/2012/main"/>
+    </p:ext>
+  </p:extLst>
 </p:presentation>
 </file>
 
@@ -3335,7 +3341,7 @@
         </p:nvSpPr>
         <p:spPr>
           <a:xfrm>
-            <a:off x="3786231" y="1363210"/>
+            <a:off x="2821497" y="1338043"/>
             <a:ext cx="5452844" cy="3414320"/>
           </a:xfrm>
           <a:prstGeom prst="rect">
@@ -3384,7 +3390,7 @@
         </p:nvCxnSpPr>
         <p:spPr>
           <a:xfrm>
-            <a:off x="3786231" y="1187041"/>
+            <a:off x="2821497" y="1161874"/>
             <a:ext cx="5452844" cy="0"/>
           </a:xfrm>
           <a:prstGeom prst="straightConnector1">
@@ -3424,7 +3430,7 @@
         </p:nvSpPr>
         <p:spPr>
           <a:xfrm>
-            <a:off x="6186281" y="905794"/>
+            <a:off x="5221547" y="880627"/>
             <a:ext cx="652743" cy="369332"/>
           </a:xfrm>
           <a:prstGeom prst="rect">
@@ -3459,7 +3465,7 @@
         </p:nvCxnSpPr>
         <p:spPr>
           <a:xfrm>
-            <a:off x="9398465" y="1363210"/>
+            <a:off x="8433731" y="1338043"/>
             <a:ext cx="0" cy="3414320"/>
           </a:xfrm>
           <a:prstGeom prst="straightConnector1">
@@ -3499,7 +3505,7 @@
         </p:nvSpPr>
         <p:spPr>
           <a:xfrm rot="5400000">
-            <a:off x="9289994" y="2885704"/>
+            <a:off x="8325260" y="2860537"/>
             <a:ext cx="535724" cy="369332"/>
           </a:xfrm>
           <a:prstGeom prst="rect">
@@ -3534,7 +3540,7 @@
         </p:nvSpPr>
         <p:spPr>
           <a:xfrm>
-            <a:off x="5736670" y="1640046"/>
+            <a:off x="4771936" y="1614879"/>
             <a:ext cx="1551964" cy="234892"/>
           </a:xfrm>
           <a:prstGeom prst="rect">
@@ -3583,7 +3589,7 @@
         </p:nvCxnSpPr>
         <p:spPr>
           <a:xfrm flipH="1">
-            <a:off x="3786231" y="1757492"/>
+            <a:off x="2821497" y="1732325"/>
             <a:ext cx="1950439" cy="0"/>
           </a:xfrm>
           <a:prstGeom prst="straightConnector1">
@@ -3623,7 +3629,7 @@
         </p:nvCxnSpPr>
         <p:spPr>
           <a:xfrm>
-            <a:off x="5736670" y="1975606"/>
+            <a:off x="4771936" y="1950439"/>
             <a:ext cx="1551964" cy="0"/>
           </a:xfrm>
           <a:prstGeom prst="straightConnector1">
@@ -3663,7 +3669,7 @@
         </p:nvSpPr>
         <p:spPr>
           <a:xfrm>
-            <a:off x="6369824" y="1963022"/>
+            <a:off x="5405090" y="1937855"/>
             <a:ext cx="285656" cy="261610"/>
           </a:xfrm>
           <a:prstGeom prst="rect">
@@ -3698,7 +3704,7 @@
         </p:nvSpPr>
         <p:spPr>
           <a:xfrm>
-            <a:off x="4595380" y="1734968"/>
+            <a:off x="3630646" y="1709801"/>
             <a:ext cx="332142" cy="261610"/>
           </a:xfrm>
           <a:prstGeom prst="rect">
@@ -3768,7 +3774,7 @@
         </p:nvSpPr>
         <p:spPr>
           <a:xfrm>
-            <a:off x="3786231" y="1363210"/>
+            <a:off x="2821497" y="1338043"/>
             <a:ext cx="7122253" cy="4404216"/>
           </a:xfrm>
           <a:prstGeom prst="rect">
@@ -3822,7 +3828,7 @@
         </p:nvCxnSpPr>
         <p:spPr>
           <a:xfrm>
-            <a:off x="3744885" y="5919830"/>
+            <a:off x="2780151" y="5894663"/>
             <a:ext cx="7163599" cy="0"/>
           </a:xfrm>
           <a:prstGeom prst="straightConnector1">
@@ -3862,7 +3868,7 @@
         </p:nvSpPr>
         <p:spPr>
           <a:xfrm>
-            <a:off x="7020985" y="5898049"/>
+            <a:off x="6056251" y="5872882"/>
             <a:ext cx="421013" cy="369332"/>
           </a:xfrm>
           <a:prstGeom prst="rect">
@@ -3898,7 +3904,7 @@
         </p:nvSpPr>
         <p:spPr>
           <a:xfrm>
-            <a:off x="6455509" y="2224632"/>
+            <a:off x="5490775" y="2199465"/>
             <a:ext cx="1551964" cy="234892"/>
           </a:xfrm>
           <a:prstGeom prst="rect">
@@ -3945,7 +3951,7 @@
         </p:nvCxnSpPr>
         <p:spPr>
           <a:xfrm>
-            <a:off x="6455509" y="2545091"/>
+            <a:off x="5490775" y="2519924"/>
             <a:ext cx="1551964" cy="0"/>
           </a:xfrm>
           <a:prstGeom prst="straightConnector1">
@@ -3985,7 +3991,7 @@
         </p:nvSpPr>
         <p:spPr>
           <a:xfrm>
-            <a:off x="7088663" y="2532507"/>
+            <a:off x="6123929" y="2507340"/>
             <a:ext cx="285656" cy="261610"/>
           </a:xfrm>
           <a:prstGeom prst="rect">
@@ -4022,7 +4028,7 @@
         </p:nvCxnSpPr>
         <p:spPr>
           <a:xfrm flipH="1">
-            <a:off x="3786231" y="2350313"/>
+            <a:off x="2821497" y="2325146"/>
             <a:ext cx="2669278" cy="0"/>
           </a:xfrm>
           <a:prstGeom prst="straightConnector1">
@@ -4062,7 +4068,7 @@
         </p:nvSpPr>
         <p:spPr>
           <a:xfrm>
-            <a:off x="4954799" y="2342078"/>
+            <a:off x="3990065" y="2316911"/>
             <a:ext cx="332142" cy="261610"/>
           </a:xfrm>
           <a:prstGeom prst="rect">
@@ -4130,6 +4136,232 @@
     <p:extLst>
       <p:ext uri="{BB962C8B-B14F-4D97-AF65-F5344CB8AC3E}">
         <p14:creationId xmlns:p14="http://schemas.microsoft.com/office/powerpoint/2010/main" val="3608073594"/>
+      </p:ext>
+    </p:extLst>
+  </p:cSld>
+  <p:clrMapOvr>
+    <a:masterClrMapping/>
+  </p:clrMapOvr>
+</p:sld>
+</file>
+
+<file path=ppt/slides/slide2.xml><?xml version="1.0" encoding="utf-8"?>
+<p:sld xmlns:a="http://schemas.openxmlformats.org/drawingml/2006/main" xmlns:r="http://schemas.openxmlformats.org/officeDocument/2006/relationships" xmlns:p="http://schemas.openxmlformats.org/presentationml/2006/main">
+  <p:cSld>
+    <p:spTree>
+      <p:nvGrpSpPr>
+        <p:cNvPr id="1" name=""/>
+        <p:cNvGrpSpPr/>
+        <p:nvPr/>
+      </p:nvGrpSpPr>
+      <p:grpSpPr>
+        <a:xfrm>
+          <a:off x="0" y="0"/>
+          <a:ext cx="0" cy="0"/>
+          <a:chOff x="0" y="0"/>
+          <a:chExt cx="0" cy="0"/>
+        </a:xfrm>
+      </p:grpSpPr>
+      <p:sp>
+        <p:nvSpPr>
+          <p:cNvPr id="4" name="Rectangle 3">
+            <a:extLst>
+              <a:ext uri="{FF2B5EF4-FFF2-40B4-BE49-F238E27FC236}">
+                <a16:creationId xmlns:a16="http://schemas.microsoft.com/office/drawing/2014/main" id="{2B329AC3-ED5D-7ECF-9D91-C53D4F2BEE3A}"/>
+              </a:ext>
+            </a:extLst>
+          </p:cNvPr>
+          <p:cNvSpPr/>
+          <p:nvPr/>
+        </p:nvSpPr>
+        <p:spPr>
+          <a:xfrm>
+            <a:off x="803711" y="515135"/>
+            <a:ext cx="4608000" cy="2764800"/>
+          </a:xfrm>
+          <a:prstGeom prst="rect">
+            <a:avLst/>
+          </a:prstGeom>
+          <a:noFill/>
+          <a:ln>
+            <a:solidFill>
+              <a:srgbClr val="002060"/>
+            </a:solidFill>
+          </a:ln>
+        </p:spPr>
+        <p:style>
+          <a:lnRef idx="2">
+            <a:schemeClr val="accent1">
+              <a:shade val="50000"/>
+            </a:schemeClr>
+          </a:lnRef>
+          <a:fillRef idx="1">
+            <a:schemeClr val="accent1"/>
+          </a:fillRef>
+          <a:effectRef idx="0">
+            <a:schemeClr val="accent1"/>
+          </a:effectRef>
+          <a:fontRef idx="minor">
+            <a:schemeClr val="lt1"/>
+          </a:fontRef>
+        </p:style>
+        <p:txBody>
+          <a:bodyPr rtlCol="0" anchor="ctr"/>
+          <a:lstStyle/>
+          <a:p>
+            <a:pPr algn="ctr"/>
+            <a:endParaRPr lang="fr-FR"/>
+          </a:p>
+        </p:txBody>
+      </p:sp>
+      <p:sp>
+        <p:nvSpPr>
+          <p:cNvPr id="5" name="Rectangle 4">
+            <a:extLst>
+              <a:ext uri="{FF2B5EF4-FFF2-40B4-BE49-F238E27FC236}">
+                <a16:creationId xmlns:a16="http://schemas.microsoft.com/office/drawing/2014/main" id="{94338CF3-DFAF-A356-8BF0-3F349AA2558C}"/>
+              </a:ext>
+            </a:extLst>
+          </p:cNvPr>
+          <p:cNvSpPr/>
+          <p:nvPr/>
+        </p:nvSpPr>
+        <p:spPr>
+          <a:xfrm>
+            <a:off x="803711" y="517535"/>
+            <a:ext cx="9216000" cy="5184000"/>
+          </a:xfrm>
+          <a:prstGeom prst="rect">
+            <a:avLst/>
+          </a:prstGeom>
+          <a:noFill/>
+          <a:ln>
+            <a:solidFill>
+              <a:srgbClr val="00B0F0"/>
+            </a:solidFill>
+          </a:ln>
+        </p:spPr>
+        <p:style>
+          <a:lnRef idx="2">
+            <a:schemeClr val="accent1">
+              <a:shade val="50000"/>
+            </a:schemeClr>
+          </a:lnRef>
+          <a:fillRef idx="1">
+            <a:schemeClr val="accent1"/>
+          </a:fillRef>
+          <a:effectRef idx="0">
+            <a:schemeClr val="accent1"/>
+          </a:effectRef>
+          <a:fontRef idx="minor">
+            <a:schemeClr val="lt1"/>
+          </a:fontRef>
+        </p:style>
+        <p:txBody>
+          <a:bodyPr rtlCol="0" anchor="ctr"/>
+          <a:lstStyle/>
+          <a:p>
+            <a:pPr algn="ctr"/>
+            <a:endParaRPr lang="fr-FR"/>
+          </a:p>
+        </p:txBody>
+      </p:sp>
+      <p:sp>
+        <p:nvSpPr>
+          <p:cNvPr id="6" name="Rectangle 5">
+            <a:extLst>
+              <a:ext uri="{FF2B5EF4-FFF2-40B4-BE49-F238E27FC236}">
+                <a16:creationId xmlns:a16="http://schemas.microsoft.com/office/drawing/2014/main" id="{9B353AF1-C769-7D9C-BE59-94F88217FE68}"/>
+              </a:ext>
+            </a:extLst>
+          </p:cNvPr>
+          <p:cNvSpPr/>
+          <p:nvPr/>
+        </p:nvSpPr>
+        <p:spPr>
+          <a:xfrm>
+            <a:off x="2416511" y="685800"/>
+            <a:ext cx="1382400" cy="115200"/>
+          </a:xfrm>
+          <a:prstGeom prst="rect">
+            <a:avLst/>
+          </a:prstGeom>
+        </p:spPr>
+        <p:style>
+          <a:lnRef idx="2">
+            <a:schemeClr val="accent1">
+              <a:shade val="50000"/>
+            </a:schemeClr>
+          </a:lnRef>
+          <a:fillRef idx="1">
+            <a:schemeClr val="accent1"/>
+          </a:fillRef>
+          <a:effectRef idx="0">
+            <a:schemeClr val="accent1"/>
+          </a:effectRef>
+          <a:fontRef idx="minor">
+            <a:schemeClr val="lt1"/>
+          </a:fontRef>
+        </p:style>
+        <p:txBody>
+          <a:bodyPr rtlCol="0" anchor="ctr"/>
+          <a:lstStyle/>
+          <a:p>
+            <a:pPr algn="ctr"/>
+            <a:endParaRPr lang="fr-FR"/>
+          </a:p>
+        </p:txBody>
+      </p:sp>
+      <p:sp>
+        <p:nvSpPr>
+          <p:cNvPr id="7" name="Rectangle 6">
+            <a:extLst>
+              <a:ext uri="{FF2B5EF4-FFF2-40B4-BE49-F238E27FC236}">
+                <a16:creationId xmlns:a16="http://schemas.microsoft.com/office/drawing/2014/main" id="{EFEB64F1-8E0C-0ACE-ADDE-EE07D1CB69C9}"/>
+              </a:ext>
+            </a:extLst>
+          </p:cNvPr>
+          <p:cNvSpPr/>
+          <p:nvPr/>
+        </p:nvSpPr>
+        <p:spPr>
+          <a:xfrm>
+            <a:off x="2531850" y="1167975"/>
+            <a:ext cx="1152000" cy="576000"/>
+          </a:xfrm>
+          <a:prstGeom prst="rect">
+            <a:avLst/>
+          </a:prstGeom>
+        </p:spPr>
+        <p:style>
+          <a:lnRef idx="2">
+            <a:schemeClr val="accent1">
+              <a:shade val="50000"/>
+            </a:schemeClr>
+          </a:lnRef>
+          <a:fillRef idx="1">
+            <a:schemeClr val="accent1"/>
+          </a:fillRef>
+          <a:effectRef idx="0">
+            <a:schemeClr val="accent1"/>
+          </a:effectRef>
+          <a:fontRef idx="minor">
+            <a:schemeClr val="lt1"/>
+          </a:fontRef>
+        </p:style>
+        <p:txBody>
+          <a:bodyPr rtlCol="0" anchor="ctr"/>
+          <a:lstStyle/>
+          <a:p>
+            <a:pPr algn="ctr"/>
+            <a:endParaRPr lang="fr-FR"/>
+          </a:p>
+        </p:txBody>
+      </p:sp>
+    </p:spTree>
+    <p:extLst>
+      <p:ext uri="{BB962C8B-B14F-4D97-AF65-F5344CB8AC3E}">
+        <p14:creationId xmlns:p14="http://schemas.microsoft.com/office/powerpoint/2010/main" val="1138507709"/>
       </p:ext>
     </p:extLst>
   </p:cSld>
